--- a/part_4_presentation/Presentation.pptx
+++ b/part_4_presentation/Presentation.pptx
@@ -112,6 +112,11 @@
       </a:defRPr>
     </a:lvl9pPr>
   </p:defaultTextStyle>
+  <p:extLst>
+    <p:ext uri="{EFAFB233-063F-42B5-8137-9DF3F51BA10A}">
+      <p15:sldGuideLst xmlns:p15="http://schemas.microsoft.com/office/powerpoint/2012/main"/>
+    </p:ext>
+  </p:extLst>
 </p:presentation>
 </file>
 
@@ -4380,7 +4385,7 @@
                   <a:srgbClr val="F15922"/>
                 </a:solidFill>
               </a:rPr>
-              <a:t>Forecasting Area of Forest Fire Area</a:t>
+              <a:t>Forecast Area of Forest Fire</a:t>
             </a:r>
           </a:p>
         </p:txBody>
@@ -4617,7 +4622,7 @@
         </p:nvSpPr>
         <p:spPr>
           <a:xfrm>
-            <a:off x="378294" y="1822832"/>
+            <a:off x="378294" y="1609768"/>
             <a:ext cx="5803641" cy="553322"/>
           </a:xfrm>
           <a:prstGeom prst="rect">
@@ -4680,7 +4685,7 @@
         </p:nvSpPr>
         <p:spPr>
           <a:xfrm>
-            <a:off x="958302" y="2160168"/>
+            <a:off x="958302" y="1947104"/>
             <a:ext cx="10653690" cy="2486433"/>
           </a:xfrm>
           <a:prstGeom prst="rect">
@@ -4726,11 +4731,19 @@
             </a:r>
             <a:r>
               <a:rPr lang="en-US" sz="2100" b="1" dirty="0"/>
-              <a:t>dataset is provided by the </a:t>
+              <a:t>dataset is provided by </a:t>
+            </a:r>
+            <a:r>
+              <a:rPr lang="en-US" sz="2100" dirty="0"/>
+              <a:t>the </a:t>
+            </a:r>
+            <a:r>
+              <a:rPr lang="en-GB" sz="2100" dirty="0"/>
+              <a:t>Department of Information Systems,</a:t>
             </a:r>
             <a:r>
               <a:rPr lang="en-GB" sz="2100" b="1" dirty="0"/>
-              <a:t>Department of Information Systems, University of Minho, Portugal</a:t>
+              <a:t> University of Minho, Portugal</a:t>
             </a:r>
             <a:r>
               <a:rPr lang="en-GB" sz="2100" dirty="0"/>
@@ -4797,6 +4810,29 @@
             <a:r>
               <a:rPr lang="en-US" sz="2100" b="1" dirty="0"/>
               <a:t>area of fire in hectares </a:t>
+            </a:r>
+          </a:p>
+          <a:p>
+            <a:pPr>
+              <a:lnSpc>
+                <a:spcPct val="150000"/>
+              </a:lnSpc>
+            </a:pPr>
+            <a:r>
+              <a:rPr lang="en-US" sz="2100" b="1" dirty="0"/>
+              <a:t>Numerical </a:t>
+            </a:r>
+            <a:r>
+              <a:rPr lang="en-US" sz="2100" dirty="0"/>
+              <a:t>and </a:t>
+            </a:r>
+            <a:r>
+              <a:rPr lang="en-US" sz="2100" b="1" dirty="0"/>
+              <a:t>Non-Numerical </a:t>
+            </a:r>
+            <a:r>
+              <a:rPr lang="en-US" sz="2100" dirty="0"/>
+              <a:t>features</a:t>
             </a:r>
           </a:p>
           <a:p>
@@ -5239,15 +5275,34 @@
             <a:pPr algn="l"/>
             <a:r>
               <a:rPr lang="en-GB" sz="2100" dirty="0"/>
-              <a:t>	2. </a:t>
+              <a:t>	2. Nearly </a:t>
             </a:r>
             <a:r>
               <a:rPr lang="en-GB" sz="2100" b="1" dirty="0"/>
-              <a:t>Duplicate records</a:t>
+              <a:t>50% </a:t>
             </a:r>
             <a:r>
               <a:rPr lang="en-GB" sz="2100" dirty="0"/>
-              <a:t> with area &gt; 0 to give them a more weight in the learning process</a:t>
+              <a:t>of the records </a:t>
+            </a:r>
+            <a:r>
+              <a:rPr lang="en-GB" sz="2100" b="1" dirty="0"/>
+              <a:t>area = 0</a:t>
+            </a:r>
+            <a:r>
+              <a:rPr lang="en-GB" sz="2100" dirty="0"/>
+              <a:t>. </a:t>
+            </a:r>
+          </a:p>
+          <a:p>
+            <a:pPr algn="l"/>
+            <a:r>
+              <a:rPr lang="en-GB" sz="2100" b="1" dirty="0"/>
+              <a:t>                    Duplicate records</a:t>
+            </a:r>
+            <a:r>
+              <a:rPr lang="en-GB" sz="2100" dirty="0"/>
+              <a:t> where area &gt; 0 to give them a more weight in the learning process</a:t>
             </a:r>
           </a:p>
           <a:p>
@@ -5286,6 +5341,21 @@
             <a:r>
               <a:rPr lang="en-GB" sz="2100" dirty="0"/>
               <a:t> variable to reduce skewness</a:t>
+            </a:r>
+          </a:p>
+          <a:p>
+            <a:pPr algn="l"/>
+            <a:r>
+              <a:rPr lang="en-GB" sz="2100" dirty="0"/>
+              <a:t>	5. </a:t>
+            </a:r>
+            <a:r>
+              <a:rPr lang="en-GB" sz="2100" b="1" dirty="0"/>
+              <a:t>Dummy coding </a:t>
+            </a:r>
+            <a:r>
+              <a:rPr lang="en-GB" sz="2100" dirty="0"/>
+              <a:t>on non-numerical features</a:t>
             </a:r>
           </a:p>
           <a:p>
@@ -5556,7 +5626,7 @@
         </p:spPr>
         <p:txBody>
           <a:bodyPr vert="horz" lIns="91440" tIns="45720" rIns="91440" bIns="45720" rtlCol="0" anchor="t">
-            <a:normAutofit fontScale="97500"/>
+            <a:normAutofit fontScale="97500" lnSpcReduction="10000"/>
           </a:bodyPr>
           <a:lstStyle>
             <a:lvl1pPr algn="ctr" defTabSz="914400" rtl="0" eaLnBrk="1" latinLnBrk="0" hangingPunct="1">
@@ -5608,6 +5678,23 @@
                 </a:solidFill>
               </a:rPr>
               <a:t>on Train-set &amp; Test-set predictions were used to evaluate the effects of Bias &amp; Variance of the dataset</a:t>
+            </a:r>
+          </a:p>
+          <a:p>
+            <a:pPr marL="342900" indent="-342900" algn="l">
+              <a:lnSpc>
+                <a:spcPct val="150000"/>
+              </a:lnSpc>
+              <a:buFont typeface="Wingdings" panose="05000000000000000000" pitchFamily="2" charset="2"/>
+              <a:buChar char="§"/>
+            </a:pPr>
+            <a:r>
+              <a:rPr lang="en-GB" sz="2100" dirty="0">
+                <a:solidFill>
+                  <a:srgbClr val="000000"/>
+                </a:solidFill>
+              </a:rPr>
+              <a:t>Compare against the MSE of null model as base</a:t>
             </a:r>
           </a:p>
           <a:p>
